--- a/0.跟做项目/前列腺炎诊断--医疗影像大模型/进度汇报/朱俊泽_周报_2025 2 3 项目汇报.pptx
+++ b/0.跟做项目/前列腺炎诊断--医疗影像大模型/进度汇报/朱俊泽_周报_2025 2 3 项目汇报.pptx
@@ -9262,8 +9262,8 @@
           </p:nvPr>
         </p:nvGraphicFramePr>
         <p:xfrm>
-          <a:off x="181610" y="3561080"/>
-          <a:ext cx="11365230" cy="1905000"/>
+          <a:off x="5527040" y="2703830"/>
+          <a:ext cx="6019800" cy="3021330"/>
         </p:xfrm>
         <a:graphic>
           <a:graphicData uri="http://schemas.openxmlformats.org/drawingml/2006/table">
@@ -9272,11 +9272,11 @@
                 <a:tableStyleId>{5C22544A-7EE6-4342-B048-85BDC9FD1C3A}</a:tableStyleId>
               </a:tblPr>
               <a:tblGrid>
-                <a:gridCol w="3788410"/>
-                <a:gridCol w="3788410"/>
-                <a:gridCol w="3788410"/>
+                <a:gridCol w="2006600"/>
+                <a:gridCol w="2006600"/>
+                <a:gridCol w="2006600"/>
               </a:tblGrid>
-              <a:tr h="381000">
+              <a:tr h="640080">
                 <a:tc>
                   <a:txBody>
                     <a:bodyPr/>
@@ -9488,7 +9488,7 @@
                   <a:tcPr/>
                 </a:tc>
               </a:tr>
-              <a:tr h="381000">
+              <a:tr h="666750">
                 <a:tc>
                   <a:txBody>
                     <a:bodyPr/>
@@ -9572,7 +9572,7 @@
                   <a:tcPr/>
                 </a:tc>
               </a:tr>
-              <a:tr h="381000">
+              <a:tr h="952500">
                 <a:tc>
                   <a:txBody>
                     <a:bodyPr/>
@@ -12731,8 +12731,8 @@
 
 <file path=ppt/tags/tag5.xml><?xml version="1.0" encoding="utf-8"?>
 <p:tagLst xmlns:p="http://schemas.openxmlformats.org/presentationml/2006/main">
-  <p:tag name="TABLE_ENDDRAG_ORIGIN_RECT" val="894*170"/>
-  <p:tag name="TABLE_ENDDRAG_RECT" val="39*280*894*170"/>
+  <p:tag name="TABLE_ENDDRAG_ORIGIN_RECT" val="473*217"/>
+  <p:tag name="TABLE_ENDDRAG_RECT" val="435*233*473*217"/>
 </p:tagLst>
 </file>
 
